--- a/02-ResponsiveUI/ResponsiveUI-ToDo.pptx
+++ b/02-ResponsiveUI/ResponsiveUI-ToDo.pptx
@@ -4049,15 +4049,7 @@
           <a:p>
             <a:r>
               <a:rPr lang="pl-PL" dirty="0"/>
-              <a:t>imię i nazwisko (wielki literami – element </a:t>
-            </a:r>
-            <a:r>
-              <a:rPr lang="pl-PL" dirty="0" err="1"/>
-              <a:t>h1</a:t>
-            </a:r>
-            <a:r>
-              <a:rPr lang="pl-PL" dirty="0"/>
-              <a:t>)</a:t>
+              <a:t>imię i nazwisko</a:t>
             </a:r>
           </a:p>
           <a:p>
@@ -4369,11 +4361,16 @@
           <a:p>
             <a:r>
               <a:rPr lang="pl-PL" dirty="0"/>
-              <a:t>W utworzonej kopii wprowadź modyfikacje, aby poniżej tekstu dotyczącego uczelni, a pod kolumnami z opisem kierunków, umieszczone były 3 różne zdjęcia uczelni. Zastosuj </a:t>
-            </a:r>
-          </a:p>
-          <a:p>
-            <a:endParaRPr lang="pl-PL" dirty="0"/>
+              <a:t>W utworzonej kopii wprowadź modyfikacje, aby informacja o kierunkach była wyświetlana (rozwijana) na życzenie. Zastosuj </a:t>
+            </a:r>
+            <a:r>
+              <a:rPr lang="pl-PL" dirty="0" err="1"/>
+              <a:t>Collapse</a:t>
+            </a:r>
+            <a:r>
+              <a:rPr lang="pl-PL" dirty="0"/>
+              <a:t>.</a:t>
+            </a:r>
           </a:p>
         </p:txBody>
       </p:sp>
@@ -4498,7 +4495,7 @@
           <a:p>
             <a:r>
               <a:rPr lang="pl-PL" dirty="0"/>
-              <a:t>W utworzonej kopii wprowadź modyfikacje, aby informacja o kierunkach była rozwijana na życzenie. Do wyświetlania zdjęć zastosuj </a:t>
+              <a:t>W utworzonej kopii wprowadź modyfikacje, aby poniżej tekstu z opisem uczelni, a nad kolumnami, wyświetlane były zdjęcia uczelni. Wiersza ze zdjęciami nie dziel na kolumny. Do wyświetlania zdjęć zastosuj </a:t>
             </a:r>
             <a:r>
               <a:rPr lang="pl-PL" dirty="0" err="1"/>
